--- a/final/Thad_Schwebke_Case_Study_02.pptx
+++ b/final/Thad_Schwebke_Case_Study_02.pptx
@@ -166,7 +166,7 @@
 <file path=ppt/revisionInfo.xml><?xml version="1.0" encoding="utf-8"?>
 <p1510:revInfo xmlns:a="http://schemas.openxmlformats.org/drawingml/2006/main" xmlns:r="http://schemas.openxmlformats.org/officeDocument/2006/relationships" xmlns:p1510="http://schemas.microsoft.com/office/powerpoint/2015/10/main">
   <p1510:revLst>
-    <p1510:client id="{E330AAD6-B4E2-407F-99C7-B4510B180382}" v="916" dt="2020-04-15T01:48:03.026"/>
+    <p1510:client id="{E330AAD6-B4E2-407F-99C7-B4510B180382}" v="918" dt="2020-04-15T13:46:32.641"/>
   </p1510:revLst>
 </p1510:revInfo>
 </file>
@@ -265,7 +265,7 @@
           <a:p>
             <a:fld id="{519C063D-436A-410C-A490-190D73BB5D3E}" type="datetimeFigureOut">
               <a:rPr lang="en-US" smtClean="0"/>
-              <a:t>4/14/2020</a:t>
+              <a:t>4/15/2020</a:t>
             </a:fld>
             <a:endParaRPr lang="en-US" dirty="0"/>
           </a:p>
@@ -442,7 +442,7 @@
           <a:p>
             <a:fld id="{ACB8BDD7-4F37-46AB-9A13-BF4D77EDD71D}" type="datetimeFigureOut">
               <a:rPr lang="en-US" smtClean="0"/>
-              <a:t>4/14/2020</a:t>
+              <a:t>4/15/2020</a:t>
             </a:fld>
             <a:endParaRPr lang="en-US" dirty="0"/>
           </a:p>
@@ -2661,7 +2661,7 @@
           <a:p>
             <a:fld id="{9294036C-9E7C-4FFC-99FA-414B61E345DD}" type="datetimeFigureOut">
               <a:rPr lang="en-US" smtClean="0"/>
-              <a:t>4/14/2020</a:t>
+              <a:t>4/15/2020</a:t>
             </a:fld>
             <a:endParaRPr lang="en-US" dirty="0"/>
           </a:p>
@@ -2859,7 +2859,7 @@
           <a:p>
             <a:fld id="{9294036C-9E7C-4FFC-99FA-414B61E345DD}" type="datetimeFigureOut">
               <a:rPr lang="en-US" smtClean="0"/>
-              <a:t>4/14/2020</a:t>
+              <a:t>4/15/2020</a:t>
             </a:fld>
             <a:endParaRPr lang="en-US" dirty="0"/>
           </a:p>
@@ -3067,7 +3067,7 @@
           <a:p>
             <a:fld id="{9294036C-9E7C-4FFC-99FA-414B61E345DD}" type="datetimeFigureOut">
               <a:rPr lang="en-US" smtClean="0"/>
-              <a:t>4/14/2020</a:t>
+              <a:t>4/15/2020</a:t>
             </a:fld>
             <a:endParaRPr lang="en-US" dirty="0"/>
           </a:p>
@@ -3271,7 +3271,7 @@
           <a:p>
             <a:fld id="{31CA373E-4619-4AD9-9A1C-1502F6556AAC}" type="datetimeFigureOut">
               <a:rPr lang="en-US" smtClean="0"/>
-              <a:t>4/14/2020</a:t>
+              <a:t>4/15/2020</a:t>
             </a:fld>
             <a:endParaRPr lang="en-US"/>
           </a:p>
@@ -3441,7 +3441,7 @@
           <a:p>
             <a:fld id="{31CA373E-4619-4AD9-9A1C-1502F6556AAC}" type="datetimeFigureOut">
               <a:rPr lang="en-US" smtClean="0"/>
-              <a:t>4/14/2020</a:t>
+              <a:t>4/15/2020</a:t>
             </a:fld>
             <a:endParaRPr lang="en-US"/>
           </a:p>
@@ -3685,7 +3685,7 @@
           <a:p>
             <a:fld id="{31CA373E-4619-4AD9-9A1C-1502F6556AAC}" type="datetimeFigureOut">
               <a:rPr lang="en-US" smtClean="0"/>
-              <a:t>4/14/2020</a:t>
+              <a:t>4/15/2020</a:t>
             </a:fld>
             <a:endParaRPr lang="en-US"/>
           </a:p>
@@ -3917,7 +3917,7 @@
           <a:p>
             <a:fld id="{31CA373E-4619-4AD9-9A1C-1502F6556AAC}" type="datetimeFigureOut">
               <a:rPr lang="en-US" smtClean="0"/>
-              <a:t>4/14/2020</a:t>
+              <a:t>4/15/2020</a:t>
             </a:fld>
             <a:endParaRPr lang="en-US"/>
           </a:p>
@@ -4284,7 +4284,7 @@
           <a:p>
             <a:fld id="{31CA373E-4619-4AD9-9A1C-1502F6556AAC}" type="datetimeFigureOut">
               <a:rPr lang="en-US" smtClean="0"/>
-              <a:t>4/14/2020</a:t>
+              <a:t>4/15/2020</a:t>
             </a:fld>
             <a:endParaRPr lang="en-US"/>
           </a:p>
@@ -4402,7 +4402,7 @@
           <a:p>
             <a:fld id="{31CA373E-4619-4AD9-9A1C-1502F6556AAC}" type="datetimeFigureOut">
               <a:rPr lang="en-US" smtClean="0"/>
-              <a:t>4/14/2020</a:t>
+              <a:t>4/15/2020</a:t>
             </a:fld>
             <a:endParaRPr lang="en-US"/>
           </a:p>
@@ -4497,7 +4497,7 @@
           <a:p>
             <a:fld id="{31CA373E-4619-4AD9-9A1C-1502F6556AAC}" type="datetimeFigureOut">
               <a:rPr lang="en-US" smtClean="0"/>
-              <a:t>4/14/2020</a:t>
+              <a:t>4/15/2020</a:t>
             </a:fld>
             <a:endParaRPr lang="en-US"/>
           </a:p>
@@ -4774,7 +4774,7 @@
           <a:p>
             <a:fld id="{31CA373E-4619-4AD9-9A1C-1502F6556AAC}" type="datetimeFigureOut">
               <a:rPr lang="en-US" smtClean="0"/>
-              <a:t>4/14/2020</a:t>
+              <a:t>4/15/2020</a:t>
             </a:fld>
             <a:endParaRPr lang="en-US"/>
           </a:p>
@@ -4960,7 +4960,7 @@
           <a:p>
             <a:fld id="{9294036C-9E7C-4FFC-99FA-414B61E345DD}" type="datetimeFigureOut">
               <a:rPr lang="en-US" smtClean="0"/>
-              <a:t>4/14/2020</a:t>
+              <a:t>4/15/2020</a:t>
             </a:fld>
             <a:endParaRPr lang="en-US" dirty="0"/>
           </a:p>
@@ -5229,7 +5229,7 @@
           <a:p>
             <a:fld id="{31CA373E-4619-4AD9-9A1C-1502F6556AAC}" type="datetimeFigureOut">
               <a:rPr lang="en-US" smtClean="0"/>
-              <a:t>4/14/2020</a:t>
+              <a:t>4/15/2020</a:t>
             </a:fld>
             <a:endParaRPr lang="en-US"/>
           </a:p>
@@ -5399,7 +5399,7 @@
           <a:p>
             <a:fld id="{31CA373E-4619-4AD9-9A1C-1502F6556AAC}" type="datetimeFigureOut">
               <a:rPr lang="en-US" smtClean="0"/>
-              <a:t>4/14/2020</a:t>
+              <a:t>4/15/2020</a:t>
             </a:fld>
             <a:endParaRPr lang="en-US"/>
           </a:p>
@@ -5579,7 +5579,7 @@
           <a:p>
             <a:fld id="{31CA373E-4619-4AD9-9A1C-1502F6556AAC}" type="datetimeFigureOut">
               <a:rPr lang="en-US" smtClean="0"/>
-              <a:t>4/14/2020</a:t>
+              <a:t>4/15/2020</a:t>
             </a:fld>
             <a:endParaRPr lang="en-US"/>
           </a:p>
@@ -5842,7 +5842,7 @@
           <a:p>
             <a:fld id="{9294036C-9E7C-4FFC-99FA-414B61E345DD}" type="datetimeFigureOut">
               <a:rPr lang="en-US" smtClean="0"/>
-              <a:t>4/14/2020</a:t>
+              <a:t>4/15/2020</a:t>
             </a:fld>
             <a:endParaRPr lang="en-US" dirty="0"/>
           </a:p>
@@ -6107,7 +6107,7 @@
           <a:p>
             <a:fld id="{9294036C-9E7C-4FFC-99FA-414B61E345DD}" type="datetimeFigureOut">
               <a:rPr lang="en-US" smtClean="0"/>
-              <a:t>4/14/2020</a:t>
+              <a:t>4/15/2020</a:t>
             </a:fld>
             <a:endParaRPr lang="en-US" dirty="0"/>
           </a:p>
@@ -6519,7 +6519,7 @@
           <a:p>
             <a:fld id="{9294036C-9E7C-4FFC-99FA-414B61E345DD}" type="datetimeFigureOut">
               <a:rPr lang="en-US" smtClean="0"/>
-              <a:t>4/14/2020</a:t>
+              <a:t>4/15/2020</a:t>
             </a:fld>
             <a:endParaRPr lang="en-US" dirty="0"/>
           </a:p>
@@ -6660,7 +6660,7 @@
           <a:p>
             <a:fld id="{9294036C-9E7C-4FFC-99FA-414B61E345DD}" type="datetimeFigureOut">
               <a:rPr lang="en-US" smtClean="0"/>
-              <a:t>4/14/2020</a:t>
+              <a:t>4/15/2020</a:t>
             </a:fld>
             <a:endParaRPr lang="en-US" dirty="0"/>
           </a:p>
@@ -6773,7 +6773,7 @@
           <a:p>
             <a:fld id="{9294036C-9E7C-4FFC-99FA-414B61E345DD}" type="datetimeFigureOut">
               <a:rPr lang="en-US" smtClean="0"/>
-              <a:t>4/14/2020</a:t>
+              <a:t>4/15/2020</a:t>
             </a:fld>
             <a:endParaRPr lang="en-US" dirty="0"/>
           </a:p>
@@ -7084,7 +7084,7 @@
           <a:p>
             <a:fld id="{9294036C-9E7C-4FFC-99FA-414B61E345DD}" type="datetimeFigureOut">
               <a:rPr lang="en-US" smtClean="0"/>
-              <a:t>4/14/2020</a:t>
+              <a:t>4/15/2020</a:t>
             </a:fld>
             <a:endParaRPr lang="en-US" dirty="0"/>
           </a:p>
@@ -7376,7 +7376,7 @@
           <a:p>
             <a:fld id="{9294036C-9E7C-4FFC-99FA-414B61E345DD}" type="datetimeFigureOut">
               <a:rPr lang="en-US" smtClean="0"/>
-              <a:t>4/14/2020</a:t>
+              <a:t>4/15/2020</a:t>
             </a:fld>
             <a:endParaRPr lang="en-US" dirty="0"/>
           </a:p>
@@ -7617,7 +7617,7 @@
           <a:p>
             <a:fld id="{9294036C-9E7C-4FFC-99FA-414B61E345DD}" type="datetimeFigureOut">
               <a:rPr lang="en-US" smtClean="0"/>
-              <a:t>4/14/2020</a:t>
+              <a:t>4/15/2020</a:t>
             </a:fld>
             <a:endParaRPr lang="en-US" dirty="0"/>
           </a:p>
@@ -8169,7 +8169,7 @@
           <a:p>
             <a:fld id="{31CA373E-4619-4AD9-9A1C-1502F6556AAC}" type="datetimeFigureOut">
               <a:rPr lang="en-US" smtClean="0"/>
-              <a:t>4/14/2020</a:t>
+              <a:t>4/15/2020</a:t>
             </a:fld>
             <a:endParaRPr lang="en-US"/>
           </a:p>
@@ -16918,7 +16918,7 @@
         <p:spPr>
           <a:xfrm>
             <a:off x="726781" y="2245249"/>
-            <a:ext cx="5646310" cy="2215991"/>
+            <a:ext cx="5646310" cy="1969770"/>
           </a:xfrm>
           <a:prstGeom prst="rect">
             <a:avLst/>
@@ -16966,7 +16966,7 @@
               <a:rPr lang="en-US" dirty="0">
                 <a:hlinkClick r:id="rId3"/>
               </a:rPr>
-              <a:t>https://github.com/tschwebke/DDS-6306-Case-Study-2</a:t>
+              <a:t>https://github.com/tschwebke/CaseStudy2DDS</a:t>
             </a:r>
             <a:endParaRPr lang="en-US" dirty="0"/>
           </a:p>
@@ -17053,14 +17053,8 @@
               <a:rPr lang="en-US" dirty="0">
                 <a:hlinkClick r:id="rId5"/>
               </a:rPr>
-              <a:t>https://tschwebke.github.io/</a:t>
+              <a:t>https://tschwebke.github.io/Case-Study-2.html</a:t>
             </a:r>
-            <a:endParaRPr lang="en-US" dirty="0"/>
-          </a:p>
-          <a:p>
-            <a:pPr>
-              <a:defRPr/>
-            </a:pPr>
             <a:endParaRPr lang="en-US" dirty="0">
               <a:solidFill>
                 <a:prstClr val="black"/>
@@ -40325,6 +40319,23 @@
 </file>
 
 <file path=customXml/item1.xml><?xml version="1.0" encoding="utf-8"?>
+<p:properties xmlns:p="http://schemas.microsoft.com/office/2006/metadata/properties" xmlns:xsi="http://www.w3.org/2001/XMLSchema-instance" xmlns:pc="http://schemas.microsoft.com/office/infopath/2007/PartnerControls">
+  <documentManagement>
+    <MediaServiceKeyPoints xmlns="71af3243-3dd4-4a8d-8c0d-dd76da1f02a5" xsi:nil="true"/>
+  </documentManagement>
+</p:properties>
+</file>
+
+<file path=customXml/item2.xml><?xml version="1.0" encoding="utf-8"?>
+<?mso-contentType ?>
+<FormTemplates xmlns="http://schemas.microsoft.com/sharepoint/v3/contenttype/forms">
+  <Display>DocumentLibraryForm</Display>
+  <Edit>DocumentLibraryForm</Edit>
+  <New>DocumentLibraryForm</New>
+</FormTemplates>
+</file>
+
+<file path=customXml/item3.xml><?xml version="1.0" encoding="utf-8"?>
 <ct:contentTypeSchema xmlns:ct="http://schemas.microsoft.com/office/2006/metadata/contentType" xmlns:ma="http://schemas.microsoft.com/office/2006/metadata/properties/metaAttributes" ct:_="" ma:_="" ma:contentTypeName="Document" ma:contentTypeID="0x01010079F111ED35F8CC479449609E8A0923A6" ma:contentTypeVersion="11" ma:contentTypeDescription="Create a new document." ma:contentTypeScope="" ma:versionID="9677210f24a1be23c92c90fd886aa0aa">
   <xsd:schema xmlns:xsd="http://www.w3.org/2001/XMLSchema" xmlns:xs="http://www.w3.org/2001/XMLSchema" xmlns:p="http://schemas.microsoft.com/office/2006/metadata/properties" xmlns:ns2="71af3243-3dd4-4a8d-8c0d-dd76da1f02a5" xmlns:ns3="16c05727-aa75-4e4a-9b5f-8a80a1165891" targetNamespace="http://schemas.microsoft.com/office/2006/metadata/properties" ma:root="true" ma:fieldsID="60e05723c5c1908df1a1a4ebf11d344e" ns2:_="" ns3:_="">
     <xsd:import namespace="71af3243-3dd4-4a8d-8c0d-dd76da1f02a5"/>
@@ -40535,24 +40546,25 @@
 </ct:contentTypeSchema>
 </file>
 
-<file path=customXml/item2.xml><?xml version="1.0" encoding="utf-8"?>
-<?mso-contentType ?>
-<FormTemplates xmlns="http://schemas.microsoft.com/sharepoint/v3/contenttype/forms">
-  <Display>DocumentLibraryForm</Display>
-  <Edit>DocumentLibraryForm</Edit>
-  <New>DocumentLibraryForm</New>
-</FormTemplates>
+<file path=customXml/itemProps1.xml><?xml version="1.0" encoding="utf-8"?>
+<ds:datastoreItem xmlns:ds="http://schemas.openxmlformats.org/officeDocument/2006/customXml" ds:itemID="{9043F418-8757-4A9C-9AAF-2EFD75A2BEFB}">
+  <ds:schemaRefs>
+    <ds:schemaRef ds:uri="http://schemas.microsoft.com/office/2006/metadata/properties"/>
+    <ds:schemaRef ds:uri="http://schemas.microsoft.com/office/infopath/2007/PartnerControls"/>
+    <ds:schemaRef ds:uri="71af3243-3dd4-4a8d-8c0d-dd76da1f02a5"/>
+  </ds:schemaRefs>
+</ds:datastoreItem>
 </file>
 
-<file path=customXml/item3.xml><?xml version="1.0" encoding="utf-8"?>
-<p:properties xmlns:p="http://schemas.microsoft.com/office/2006/metadata/properties" xmlns:xsi="http://www.w3.org/2001/XMLSchema-instance" xmlns:pc="http://schemas.microsoft.com/office/infopath/2007/PartnerControls">
-  <documentManagement>
-    <MediaServiceKeyPoints xmlns="71af3243-3dd4-4a8d-8c0d-dd76da1f02a5" xsi:nil="true"/>
-  </documentManagement>
-</p:properties>
+<file path=customXml/itemProps2.xml><?xml version="1.0" encoding="utf-8"?>
+<ds:datastoreItem xmlns:ds="http://schemas.openxmlformats.org/officeDocument/2006/customXml" ds:itemID="{C9C8C966-778B-43A2-9BDE-D67CABE9D324}">
+  <ds:schemaRefs>
+    <ds:schemaRef ds:uri="http://schemas.microsoft.com/sharepoint/v3/contenttype/forms"/>
+  </ds:schemaRefs>
+</ds:datastoreItem>
 </file>
 
-<file path=customXml/itemProps1.xml><?xml version="1.0" encoding="utf-8"?>
+<file path=customXml/itemProps3.xml><?xml version="1.0" encoding="utf-8"?>
 <ds:datastoreItem xmlns:ds="http://schemas.openxmlformats.org/officeDocument/2006/customXml" ds:itemID="{789EF843-5375-4D6F-A270-54A9909B0994}">
   <ds:schemaRefs>
     <ds:schemaRef ds:uri="http://schemas.microsoft.com/office/2006/metadata/contentType"/>
@@ -40569,22 +40581,4 @@
     <ds:schemaRef ds:uri="http://schemas.microsoft.com/internal/obd"/>
   </ds:schemaRefs>
 </ds:datastoreItem>
-</file>
-
-<file path=customXml/itemProps2.xml><?xml version="1.0" encoding="utf-8"?>
-<ds:datastoreItem xmlns:ds="http://schemas.openxmlformats.org/officeDocument/2006/customXml" ds:itemID="{C9C8C966-778B-43A2-9BDE-D67CABE9D324}">
-  <ds:schemaRefs>
-    <ds:schemaRef ds:uri="http://schemas.microsoft.com/sharepoint/v3/contenttype/forms"/>
-  </ds:schemaRefs>
-</ds:datastoreItem>
-</file>
-
-<file path=customXml/itemProps3.xml><?xml version="1.0" encoding="utf-8"?>
-<ds:datastoreItem xmlns:ds="http://schemas.openxmlformats.org/officeDocument/2006/customXml" ds:itemID="{9043F418-8757-4A9C-9AAF-2EFD75A2BEFB}">
-  <ds:schemaRefs>
-    <ds:schemaRef ds:uri="http://schemas.microsoft.com/office/2006/metadata/properties"/>
-    <ds:schemaRef ds:uri="http://schemas.microsoft.com/office/infopath/2007/PartnerControls"/>
-    <ds:schemaRef ds:uri="71af3243-3dd4-4a8d-8c0d-dd76da1f02a5"/>
-  </ds:schemaRefs>
-</ds:datastoreItem>
 </file>